--- a/slides/OpenTelemetry 2025-04.pptx
+++ b/slides/OpenTelemetry 2025-04.pptx
@@ -297,7 +297,7 @@
               <a:rPr lang="en-US" smtClean="0">
                 <a:latin typeface="Segoe UI" pitchFamily="34" charset="0"/>
               </a:rPr>
-              <a:t>4/24/2025 12:34 PM</a:t>
+              <a:t>4/24/2025 3:07 PM</a:t>
             </a:fld>
             <a:endParaRPr lang="en-US" dirty="0">
               <a:latin typeface="Segoe UI" pitchFamily="34" charset="0"/>
@@ -578,7 +578,7 @@
           <a:p>
             <a:fld id="{38EEC551-8CDA-4EB6-89BB-2A86C9F091C8}" type="datetime8">
               <a:rPr lang="en-US" smtClean="0"/>
-              <a:t>4/24/2025 12:34 PM</a:t>
+              <a:t>4/24/2025 3:06 PM</a:t>
             </a:fld>
             <a:endParaRPr lang="en-US" dirty="0"/>
           </a:p>
@@ -965,7 +965,7 @@
           <a:p>
             <a:fld id="{38EEC551-8CDA-4EB6-89BB-2A86C9F091C8}" type="datetime8">
               <a:rPr lang="en-US" smtClean="0"/>
-              <a:t>4/24/2025 12:36 PM</a:t>
+              <a:t>4/24/2025 3:06 PM</a:t>
             </a:fld>
             <a:endParaRPr lang="en-US" dirty="0"/>
           </a:p>
@@ -1150,7 +1150,7 @@
           <a:p>
             <a:fld id="{38EEC551-8CDA-4EB6-89BB-2A86C9F091C8}" type="datetime8">
               <a:rPr lang="en-US" smtClean="0"/>
-              <a:t>4/24/2025 12:34 PM</a:t>
+              <a:t>4/24/2025 3:06 PM</a:t>
             </a:fld>
             <a:endParaRPr lang="en-US" dirty="0"/>
           </a:p>
@@ -1335,7 +1335,7 @@
           <a:p>
             <a:fld id="{38EEC551-8CDA-4EB6-89BB-2A86C9F091C8}" type="datetime8">
               <a:rPr lang="en-US" smtClean="0"/>
-              <a:t>4/24/2025 12:34 PM</a:t>
+              <a:t>4/24/2025 3:06 PM</a:t>
             </a:fld>
             <a:endParaRPr lang="en-US" dirty="0"/>
           </a:p>
@@ -1520,7 +1520,7 @@
           <a:p>
             <a:fld id="{38EEC551-8CDA-4EB6-89BB-2A86C9F091C8}" type="datetime8">
               <a:rPr lang="en-US" smtClean="0"/>
-              <a:t>4/24/2025 12:34 PM</a:t>
+              <a:t>4/24/2025 3:06 PM</a:t>
             </a:fld>
             <a:endParaRPr lang="en-US" dirty="0"/>
           </a:p>
@@ -1705,7 +1705,7 @@
           <a:p>
             <a:fld id="{38EEC551-8CDA-4EB6-89BB-2A86C9F091C8}" type="datetime8">
               <a:rPr lang="en-US" smtClean="0"/>
-              <a:t>4/24/2025 12:34 PM</a:t>
+              <a:t>4/24/2025 3:06 PM</a:t>
             </a:fld>
             <a:endParaRPr lang="en-US" dirty="0"/>
           </a:p>
@@ -1890,7 +1890,7 @@
           <a:p>
             <a:fld id="{38EEC551-8CDA-4EB6-89BB-2A86C9F091C8}" type="datetime8">
               <a:rPr lang="en-US" smtClean="0"/>
-              <a:t>4/24/2025 12:34 PM</a:t>
+              <a:t>4/24/2025 3:06 PM</a:t>
             </a:fld>
             <a:endParaRPr lang="en-US" dirty="0"/>
           </a:p>
@@ -2075,7 +2075,7 @@
           <a:p>
             <a:fld id="{38EEC551-8CDA-4EB6-89BB-2A86C9F091C8}" type="datetime8">
               <a:rPr lang="en-US" smtClean="0"/>
-              <a:t>4/24/2025 12:34 PM</a:t>
+              <a:t>4/24/2025 3:06 PM</a:t>
             </a:fld>
             <a:endParaRPr lang="en-US" dirty="0"/>
           </a:p>
@@ -2260,7 +2260,7 @@
           <a:p>
             <a:fld id="{38EEC551-8CDA-4EB6-89BB-2A86C9F091C8}" type="datetime8">
               <a:rPr lang="en-US" smtClean="0"/>
-              <a:t>4/24/2025 12:34 PM</a:t>
+              <a:t>4/24/2025 3:06 PM</a:t>
             </a:fld>
             <a:endParaRPr lang="en-US" dirty="0"/>
           </a:p>
@@ -2481,7 +2481,7 @@
           <a:p>
             <a:fld id="{38EEC551-8CDA-4EB6-89BB-2A86C9F091C8}" type="datetime8">
               <a:rPr lang="en-US" smtClean="0"/>
-              <a:t>4/24/2025 1:42 PM</a:t>
+              <a:t>4/24/2025 3:06 PM</a:t>
             </a:fld>
             <a:endParaRPr lang="en-US" dirty="0"/>
           </a:p>
@@ -2672,7 +2672,7 @@
           <a:p>
             <a:fld id="{38EEC551-8CDA-4EB6-89BB-2A86C9F091C8}" type="datetime8">
               <a:rPr lang="en-US" smtClean="0"/>
-              <a:t>4/24/2025 1:42 PM</a:t>
+              <a:t>4/24/2025 3:06 PM</a:t>
             </a:fld>
             <a:endParaRPr lang="en-US" dirty="0"/>
           </a:p>
@@ -2893,7 +2893,7 @@
           <a:p>
             <a:fld id="{38EEC551-8CDA-4EB6-89BB-2A86C9F091C8}" type="datetime8">
               <a:rPr lang="en-US" smtClean="0"/>
-              <a:t>4/24/2025 2:03 PM</a:t>
+              <a:t>4/24/2025 3:06 PM</a:t>
             </a:fld>
             <a:endParaRPr lang="en-US" dirty="0"/>
           </a:p>
@@ -3298,7 +3298,7 @@
                 <a:tabLst/>
                 <a:defRPr/>
               </a:pPr>
-              <a:t>4/24/2025 1:39 PM</a:t>
+              <a:t>4/24/2025 3:06 PM</a:t>
             </a:fld>
             <a:endParaRPr kumimoji="0" lang="en-US" sz="1800" b="0" i="0" u="none" strike="noStrike" kern="0" cap="none" spc="0" normalizeH="0" baseline="0" noProof="0">
               <a:ln>
@@ -3645,7 +3645,7 @@
                 <a:tabLst/>
                 <a:defRPr/>
               </a:pPr>
-              <a:t>4/24/2025 12:34 PM</a:t>
+              <a:t>4/24/2025 3:06 PM</a:t>
             </a:fld>
             <a:endParaRPr kumimoji="0" lang="en-US" sz="1800" b="0" i="0" u="none" strike="noStrike" kern="0" cap="none" spc="0" normalizeH="0" baseline="0" noProof="0">
               <a:ln>
@@ -4172,7 +4172,7 @@
           <a:p>
             <a:fld id="{38EEC551-8CDA-4EB6-89BB-2A86C9F091C8}" type="datetime8">
               <a:rPr lang="en-US" smtClean="0"/>
-              <a:t>4/24/2025 1:25 PM</a:t>
+              <a:t>4/24/2025 3:06 PM</a:t>
             </a:fld>
             <a:endParaRPr lang="en-US" dirty="0"/>
           </a:p>
@@ -4357,7 +4357,7 @@
           <a:p>
             <a:fld id="{38EEC551-8CDA-4EB6-89BB-2A86C9F091C8}" type="datetime8">
               <a:rPr lang="en-US" smtClean="0"/>
-              <a:t>4/24/2025 12:34 PM</a:t>
+              <a:t>4/24/2025 3:06 PM</a:t>
             </a:fld>
             <a:endParaRPr lang="en-US" dirty="0"/>
           </a:p>
@@ -4542,7 +4542,7 @@
           <a:p>
             <a:fld id="{38EEC551-8CDA-4EB6-89BB-2A86C9F091C8}" type="datetime8">
               <a:rPr lang="en-US" smtClean="0"/>
-              <a:t>4/24/2025 12:34 PM</a:t>
+              <a:t>4/24/2025 3:06 PM</a:t>
             </a:fld>
             <a:endParaRPr lang="en-US" dirty="0"/>
           </a:p>
@@ -4727,7 +4727,7 @@
           <a:p>
             <a:fld id="{38EEC551-8CDA-4EB6-89BB-2A86C9F091C8}" type="datetime8">
               <a:rPr lang="en-US" smtClean="0"/>
-              <a:t>4/24/2025 12:34 PM</a:t>
+              <a:t>4/24/2025 3:06 PM</a:t>
             </a:fld>
             <a:endParaRPr lang="en-US" dirty="0"/>
           </a:p>
@@ -30435,7 +30435,7 @@
         <p:spPr>
           <a:xfrm>
             <a:off x="277003" y="1439862"/>
-            <a:ext cx="11199034" cy="2597634"/>
+            <a:ext cx="11199034" cy="3631763"/>
           </a:xfrm>
         </p:spPr>
         <p:txBody>
@@ -30447,7 +30447,7 @@
               <a:buChar char="•"/>
             </a:pPr>
             <a:r>
-              <a:rPr lang="pt-BR" sz="3200" b="1" dirty="0" err="1">
+              <a:rPr lang="pt-BR" sz="2800" b="1" dirty="0" err="1">
                 <a:solidFill>
                   <a:srgbClr val="494949"/>
                 </a:solidFill>
@@ -30455,7 +30455,7 @@
               <a:t>OpenTelemetry</a:t>
             </a:r>
             <a:r>
-              <a:rPr lang="pt-BR" sz="3200" b="1" dirty="0">
+              <a:rPr lang="pt-BR" sz="2800" b="1" dirty="0">
                 <a:solidFill>
                   <a:srgbClr val="494949"/>
                 </a:solidFill>
@@ -30463,7 +30463,7 @@
               <a:t> </a:t>
             </a:r>
             <a:r>
-              <a:rPr lang="pt-BR" sz="3200" b="1" dirty="0" err="1">
+              <a:rPr lang="pt-BR" sz="2800" b="1" dirty="0" err="1">
                 <a:solidFill>
                   <a:srgbClr val="494949"/>
                 </a:solidFill>
@@ -30471,7 +30471,7 @@
               <a:t>Collector</a:t>
             </a:r>
             <a:r>
-              <a:rPr lang="pt-BR" sz="3200" dirty="0">
+              <a:rPr lang="pt-BR" sz="2800" dirty="0">
                 <a:solidFill>
                   <a:srgbClr val="494949"/>
                 </a:solidFill>
@@ -30479,7 +30479,7 @@
               <a:t>: mecanismo para receber, processar e exportar dados de </a:t>
             </a:r>
             <a:r>
-              <a:rPr lang="pt-BR" sz="3200" b="1" dirty="0">
+              <a:rPr lang="pt-BR" sz="2800" b="1" dirty="0">
                 <a:solidFill>
                   <a:srgbClr val="494949"/>
                 </a:solidFill>
@@ -30492,7 +30492,7 @@
               <a:buFont typeface="Arial" panose="020B0604020202020204" pitchFamily="34" charset="0"/>
               <a:buChar char="•"/>
             </a:pPr>
-            <a:endParaRPr lang="pt-BR" sz="3200" dirty="0">
+            <a:endParaRPr lang="pt-BR" sz="2800" dirty="0">
               <a:solidFill>
                 <a:srgbClr val="494949"/>
               </a:solidFill>
@@ -30504,7 +30504,7 @@
               <a:buChar char="•"/>
             </a:pPr>
             <a:r>
-              <a:rPr lang="pt-BR" sz="3200" b="1" dirty="0" err="1">
+              <a:rPr lang="pt-BR" sz="2800" b="1" dirty="0" err="1">
                 <a:solidFill>
                   <a:srgbClr val="494949"/>
                 </a:solidFill>
@@ -30512,7 +30512,7 @@
               <a:t>OpenTelemetry</a:t>
             </a:r>
             <a:r>
-              <a:rPr lang="pt-BR" sz="3200" b="1" dirty="0">
+              <a:rPr lang="pt-BR" sz="2800" b="1" dirty="0">
                 <a:solidFill>
                   <a:srgbClr val="494949"/>
                 </a:solidFill>
@@ -30520,7 +30520,7 @@
               <a:t> </a:t>
             </a:r>
             <a:r>
-              <a:rPr lang="pt-BR" sz="3200" b="1" dirty="0" err="1">
+              <a:rPr lang="pt-BR" sz="2800" b="1" dirty="0" err="1">
                 <a:solidFill>
                   <a:srgbClr val="494949"/>
                 </a:solidFill>
@@ -30528,7 +30528,7 @@
               <a:t>Protocol</a:t>
             </a:r>
             <a:r>
-              <a:rPr lang="pt-BR" sz="3200" b="1" dirty="0">
+              <a:rPr lang="pt-BR" sz="2800" b="1" dirty="0">
                 <a:solidFill>
                   <a:srgbClr val="494949"/>
                 </a:solidFill>
@@ -30536,7 +30536,7 @@
               <a:t> (OTLP)</a:t>
             </a:r>
             <a:r>
-              <a:rPr lang="pt-BR" sz="3200" dirty="0">
+              <a:rPr lang="pt-BR" sz="2800" dirty="0">
                 <a:solidFill>
                   <a:srgbClr val="494949"/>
                 </a:solidFill>
@@ -30544,7 +30544,7 @@
               <a:t> → suporte a </a:t>
             </a:r>
             <a:r>
-              <a:rPr lang="pt-BR" sz="3200" b="1" dirty="0">
+              <a:rPr lang="pt-BR" sz="2800" b="1" dirty="0">
                 <a:solidFill>
                   <a:srgbClr val="494949"/>
                 </a:solidFill>
@@ -30552,7 +30552,7 @@
               <a:t>HTTP </a:t>
             </a:r>
             <a:r>
-              <a:rPr lang="pt-BR" sz="3200" dirty="0">
+              <a:rPr lang="pt-BR" sz="2800" dirty="0">
                 <a:solidFill>
                   <a:srgbClr val="494949"/>
                 </a:solidFill>
@@ -30560,7 +30560,7 @@
               <a:t>(</a:t>
             </a:r>
             <a:r>
-              <a:rPr lang="pt-BR" sz="3200" b="1" dirty="0">
+              <a:rPr lang="pt-BR" sz="2800" b="1" dirty="0">
                 <a:solidFill>
                   <a:srgbClr val="494949"/>
                 </a:solidFill>
@@ -30568,7 +30568,7 @@
               <a:t>porta 4318</a:t>
             </a:r>
             <a:r>
-              <a:rPr lang="pt-BR" sz="3200" dirty="0">
+              <a:rPr lang="pt-BR" sz="2800" dirty="0">
                 <a:solidFill>
                   <a:srgbClr val="494949"/>
                 </a:solidFill>
@@ -30576,7 +30576,7 @@
               <a:t>) e </a:t>
             </a:r>
             <a:r>
-              <a:rPr lang="pt-BR" sz="3200" b="1" dirty="0" err="1">
+              <a:rPr lang="pt-BR" sz="2800" b="1" dirty="0" err="1">
                 <a:solidFill>
                   <a:srgbClr val="494949"/>
                 </a:solidFill>
@@ -30584,7 +30584,7 @@
               <a:t>gRPC</a:t>
             </a:r>
             <a:r>
-              <a:rPr lang="pt-BR" sz="3200" b="1" dirty="0">
+              <a:rPr lang="pt-BR" sz="2800" b="1" dirty="0">
                 <a:solidFill>
                   <a:srgbClr val="494949"/>
                 </a:solidFill>
@@ -30592,7 +30592,7 @@
               <a:t> </a:t>
             </a:r>
             <a:r>
-              <a:rPr lang="pt-BR" sz="3200" dirty="0">
+              <a:rPr lang="pt-BR" sz="2800" dirty="0">
                 <a:solidFill>
                   <a:srgbClr val="494949"/>
                 </a:solidFill>
@@ -30600,7 +30600,7 @@
               <a:t>(</a:t>
             </a:r>
             <a:r>
-              <a:rPr lang="pt-BR" sz="3200" b="1" dirty="0">
+              <a:rPr lang="pt-BR" sz="2800" b="1" dirty="0">
                 <a:solidFill>
                   <a:srgbClr val="494949"/>
                 </a:solidFill>
@@ -30608,12 +30608,45 @@
               <a:t>porta 4317</a:t>
             </a:r>
             <a:r>
-              <a:rPr lang="pt-BR" sz="3200" dirty="0">
+              <a:rPr lang="pt-BR" sz="2800" dirty="0">
                 <a:solidFill>
                   <a:srgbClr val="494949"/>
                 </a:solidFill>
               </a:rPr>
               <a:t>)</a:t>
+            </a:r>
+          </a:p>
+          <a:p>
+            <a:pPr marL="571500" indent="-571500">
+              <a:buFont typeface="Arial" panose="020B0604020202020204" pitchFamily="34" charset="0"/>
+              <a:buChar char="•"/>
+            </a:pPr>
+            <a:endParaRPr lang="pt-BR" sz="2800" dirty="0">
+              <a:solidFill>
+                <a:srgbClr val="494949"/>
+              </a:solidFill>
+            </a:endParaRPr>
+          </a:p>
+          <a:p>
+            <a:pPr marL="571500" indent="-571500">
+              <a:buFont typeface="Arial" panose="020B0604020202020204" pitchFamily="34" charset="0"/>
+              <a:buChar char="•"/>
+            </a:pPr>
+            <a:r>
+              <a:rPr lang="pt-BR" sz="2800" b="1" dirty="0" err="1">
+                <a:solidFill>
+                  <a:srgbClr val="494949"/>
+                </a:solidFill>
+              </a:rPr>
+              <a:t>Sampling</a:t>
+            </a:r>
+            <a:r>
+              <a:rPr lang="pt-BR" sz="2800" dirty="0">
+                <a:solidFill>
+                  <a:srgbClr val="494949"/>
+                </a:solidFill>
+              </a:rPr>
+              <a:t> para coletar apenas percentuais da instrumentação (redução de custos, uso mais reacional de recursos computacionais)</a:t>
             </a:r>
           </a:p>
         </p:txBody>
@@ -30900,7 +30933,7 @@
                   <a:srgbClr val="494949"/>
                 </a:solidFill>
               </a:rPr>
-              <a:t>Cassandra, Cassandra...</a:t>
+              <a:t>Cassandra...</a:t>
             </a:r>
           </a:p>
           <a:p>
@@ -37741,6 +37774,85 @@
 </file>
 
 <file path=customXml/item1.xml><?xml version="1.0" encoding="utf-8"?>
+<p:properties xmlns:p="http://schemas.microsoft.com/office/2006/metadata/properties" xmlns:xsi="http://www.w3.org/2001/XMLSchema-instance" xmlns:pc="http://schemas.microsoft.com/office/infopath/2007/PartnerControls">
+  <documentManagement>
+    <LikesCount xmlns="http://schemas.microsoft.com/sharepoint/v3" xsi:nil="true"/>
+    <d12e2661e9634d9aa98bbb375f31aced xmlns="01c77077-aee4-4b5f-bd4e-9cd40a6fff29">
+      <Terms xmlns="http://schemas.microsoft.com/office/infopath/2007/PartnerControls">
+        <TermInfo xmlns="http://schemas.microsoft.com/office/infopath/2007/PartnerControls">
+          <TermName xmlns="http://schemas.microsoft.com/office/infopath/2007/PartnerControls">Georgia World Congress Center</TermName>
+          <TermId xmlns="http://schemas.microsoft.com/office/infopath/2007/PartnerControls">ea0ece34-59a6-4d43-8d9e-d0f9e2a2f1ce</TermId>
+        </TermInfo>
+      </Terms>
+    </d12e2661e9634d9aa98bbb375f31aced>
+    <Event_x0020_Start_x0020_Date xmlns="01c77077-aee4-4b5f-bd4e-9cd40a6fff29">2016-09-25T07:00:00+00:00</Event_x0020_Start_x0020_Date>
+    <Target_x0020_Audiences xmlns="8ff673fc-3231-4e3a-893b-6d7f7cd32766" xsi:nil="true"/>
+    <iaa5f83406f94009a0f6a3e890699ff7 xmlns="01c77077-aee4-4b5f-bd4e-9cd40a6fff29">
+      <Terms xmlns="http://schemas.microsoft.com/office/infopath/2007/PartnerControls">
+        <TermInfo xmlns="http://schemas.microsoft.com/office/infopath/2007/PartnerControls">
+          <TermName xmlns="http://schemas.microsoft.com/office/infopath/2007/PartnerControls">Atlanta</TermName>
+          <TermId xmlns="http://schemas.microsoft.com/office/infopath/2007/PartnerControls">01fb9831-5840-48a0-a576-3e48f42baa53</TermId>
+        </TermInfo>
+      </Terms>
+    </iaa5f83406f94009a0f6a3e890699ff7>
+    <External_x0020_Speaker xmlns="01c77077-aee4-4b5f-bd4e-9cd40a6fff29">Michael Kelley</External_x0020_Speaker>
+    <m6878b9dd7994da4ba144f95347d99c6 xmlns="01c77077-aee4-4b5f-bd4e-9cd40a6fff29">
+      <Terms xmlns="http://schemas.microsoft.com/office/infopath/2007/PartnerControls"/>
+    </m6878b9dd7994da4ba144f95347d99c6>
+    <Presentation_x0020_Date xmlns="01c77077-aee4-4b5f-bd4e-9cd40a6fff29">2016-09-28T04:00:00+00:00</Presentation_x0020_Date>
+    <fc15c16204564de583b4c942b10d19ec xmlns="01c77077-aee4-4b5f-bd4e-9cd40a6fff29">
+      <Terms xmlns="http://schemas.microsoft.com/office/infopath/2007/PartnerControls"/>
+    </fc15c16204564de583b4c942b10d19ec>
+    <mb2e01f7e2d8413988e28e59aa226eec xmlns="01c77077-aee4-4b5f-bd4e-9cd40a6fff29">
+      <Terms xmlns="http://schemas.microsoft.com/office/infopath/2007/PartnerControls">
+        <TermInfo xmlns="http://schemas.microsoft.com/office/infopath/2007/PartnerControls">
+          <TermName xmlns="http://schemas.microsoft.com/office/infopath/2007/PartnerControls">Microsoft Ignite</TermName>
+          <TermId xmlns="http://schemas.microsoft.com/office/infopath/2007/PartnerControls">9323c522-fe4b-4922-816b-10a1920d7afb</TermId>
+        </TermInfo>
+      </Terms>
+    </mb2e01f7e2d8413988e28e59aa226eec>
+    <MS_x0020_Content_x0020_Owner xmlns="01c77077-aee4-4b5f-bd4e-9cd40a6fff29">
+      <UserInfo>
+        <DisplayName/>
+        <AccountId xsi:nil="true"/>
+        <AccountType/>
+      </UserInfo>
+    </MS_x0020_Content_x0020_Owner>
+    <Session_x0020_Code xmlns="01c77077-aee4-4b5f-bd4e-9cd40a6fff29">BRK2158</Session_x0020_Code>
+    <Event_x0020_End_x0020_Date xmlns="01c77077-aee4-4b5f-bd4e-9cd40a6fff29">2016-09-30T07:00:00+00:00</Event_x0020_End_x0020_Date>
+    <o1010385baed4da9b5076a6aa651d1e5 xmlns="01c77077-aee4-4b5f-bd4e-9cd40a6fff29">
+      <Terms xmlns="http://schemas.microsoft.com/office/infopath/2007/PartnerControls"/>
+    </o1010385baed4da9b5076a6aa651d1e5>
+    <kc6d1bd9a46e4e5fbbbf99ca3de7a092 xmlns="01c77077-aee4-4b5f-bd4e-9cd40a6fff29">
+      <Terms xmlns="http://schemas.microsoft.com/office/infopath/2007/PartnerControls"/>
+    </kc6d1bd9a46e4e5fbbbf99ca3de7a092>
+    <MS_x0020_Speaker xmlns="01c77077-aee4-4b5f-bd4e-9cd40a6fff29">
+      <UserInfo>
+        <DisplayName/>
+        <AccountId xsi:nil="true"/>
+        <AccountType/>
+      </UserInfo>
+    </MS_x0020_Speaker>
+    <TaxKeywordTaxHTField xmlns="230e9df3-be65-4c73-a93b-d1236ebd677e">
+      <Terms xmlns="http://schemas.microsoft.com/office/infopath/2007/PartnerControls">
+        <TermInfo xmlns="http://schemas.microsoft.com/office/infopath/2007/PartnerControls">
+          <TermName xmlns="http://schemas.microsoft.com/office/infopath/2007/PartnerControls">Microsoft Ignite 2016</TermName>
+          <TermId xmlns="http://schemas.microsoft.com/office/infopath/2007/PartnerControls">e2f6a88c-86f9-4b25-a2af-b5c3afa8c82a</TermId>
+        </TermInfo>
+      </Terms>
+    </TaxKeywordTaxHTField>
+    <TaxCatchAll xmlns="230e9df3-be65-4c73-a93b-d1236ebd677e">
+      <Value>174</Value>
+      <Value>177</Value>
+      <Value>176</Value>
+      <Value>175</Value>
+    </TaxCatchAll>
+    <NumberofDownloads xmlns="230e9df3-be65-4c73-a93b-d1236ebd677e" xsi:nil="true"/>
+  </documentManagement>
+</p:properties>
+</file>
+
+<file path=customXml/item2.xml><?xml version="1.0" encoding="utf-8"?>
 <ct:contentTypeSchema xmlns:ct="http://schemas.microsoft.com/office/2006/metadata/contentType" xmlns:ma="http://schemas.microsoft.com/office/2006/metadata/properties/metaAttributes" ct:_="" ma:_="" ma:contentTypeName="PresentationsDoc" ma:contentTypeID="0x01010031DCF4CA090F824DB1E4CCBB6B9D64EA00101E8AAD132F8F4D96340D6376C8BB3E" ma:contentTypeVersion="22" ma:contentTypeDescription="" ma:contentTypeScope="" ma:versionID="8add498658ef06bbcf3bc1f2c97d938c">
   <xsd:schema xmlns:xsd="http://www.w3.org/2001/XMLSchema" xmlns:xs="http://www.w3.org/2001/XMLSchema" xmlns:p="http://schemas.microsoft.com/office/2006/metadata/properties" xmlns:ns1="http://schemas.microsoft.com/sharepoint/v3" xmlns:ns2="01c77077-aee4-4b5f-bd4e-9cd40a6fff29" xmlns:ns3="230e9df3-be65-4c73-a93b-d1236ebd677e" xmlns:ns5="8ff673fc-3231-4e3a-893b-6d7f7cd32766" targetNamespace="http://schemas.microsoft.com/office/2006/metadata/properties" ma:root="true" ma:fieldsID="a14070d067e341e7ddc7e27ecc4a2d88" ns1:_="" ns2:_="" ns3:_="" ns5:_="">
     <xsd:import namespace="http://schemas.microsoft.com/sharepoint/v3"/>
@@ -38097,85 +38209,6 @@
 </ct:contentTypeSchema>
 </file>
 
-<file path=customXml/item2.xml><?xml version="1.0" encoding="utf-8"?>
-<p:properties xmlns:p="http://schemas.microsoft.com/office/2006/metadata/properties" xmlns:xsi="http://www.w3.org/2001/XMLSchema-instance" xmlns:pc="http://schemas.microsoft.com/office/infopath/2007/PartnerControls">
-  <documentManagement>
-    <LikesCount xmlns="http://schemas.microsoft.com/sharepoint/v3" xsi:nil="true"/>
-    <d12e2661e9634d9aa98bbb375f31aced xmlns="01c77077-aee4-4b5f-bd4e-9cd40a6fff29">
-      <Terms xmlns="http://schemas.microsoft.com/office/infopath/2007/PartnerControls">
-        <TermInfo xmlns="http://schemas.microsoft.com/office/infopath/2007/PartnerControls">
-          <TermName xmlns="http://schemas.microsoft.com/office/infopath/2007/PartnerControls">Georgia World Congress Center</TermName>
-          <TermId xmlns="http://schemas.microsoft.com/office/infopath/2007/PartnerControls">ea0ece34-59a6-4d43-8d9e-d0f9e2a2f1ce</TermId>
-        </TermInfo>
-      </Terms>
-    </d12e2661e9634d9aa98bbb375f31aced>
-    <Event_x0020_Start_x0020_Date xmlns="01c77077-aee4-4b5f-bd4e-9cd40a6fff29">2016-09-25T07:00:00+00:00</Event_x0020_Start_x0020_Date>
-    <Target_x0020_Audiences xmlns="8ff673fc-3231-4e3a-893b-6d7f7cd32766" xsi:nil="true"/>
-    <iaa5f83406f94009a0f6a3e890699ff7 xmlns="01c77077-aee4-4b5f-bd4e-9cd40a6fff29">
-      <Terms xmlns="http://schemas.microsoft.com/office/infopath/2007/PartnerControls">
-        <TermInfo xmlns="http://schemas.microsoft.com/office/infopath/2007/PartnerControls">
-          <TermName xmlns="http://schemas.microsoft.com/office/infopath/2007/PartnerControls">Atlanta</TermName>
-          <TermId xmlns="http://schemas.microsoft.com/office/infopath/2007/PartnerControls">01fb9831-5840-48a0-a576-3e48f42baa53</TermId>
-        </TermInfo>
-      </Terms>
-    </iaa5f83406f94009a0f6a3e890699ff7>
-    <External_x0020_Speaker xmlns="01c77077-aee4-4b5f-bd4e-9cd40a6fff29">Michael Kelley</External_x0020_Speaker>
-    <m6878b9dd7994da4ba144f95347d99c6 xmlns="01c77077-aee4-4b5f-bd4e-9cd40a6fff29">
-      <Terms xmlns="http://schemas.microsoft.com/office/infopath/2007/PartnerControls"/>
-    </m6878b9dd7994da4ba144f95347d99c6>
-    <Presentation_x0020_Date xmlns="01c77077-aee4-4b5f-bd4e-9cd40a6fff29">2016-09-28T04:00:00+00:00</Presentation_x0020_Date>
-    <fc15c16204564de583b4c942b10d19ec xmlns="01c77077-aee4-4b5f-bd4e-9cd40a6fff29">
-      <Terms xmlns="http://schemas.microsoft.com/office/infopath/2007/PartnerControls"/>
-    </fc15c16204564de583b4c942b10d19ec>
-    <mb2e01f7e2d8413988e28e59aa226eec xmlns="01c77077-aee4-4b5f-bd4e-9cd40a6fff29">
-      <Terms xmlns="http://schemas.microsoft.com/office/infopath/2007/PartnerControls">
-        <TermInfo xmlns="http://schemas.microsoft.com/office/infopath/2007/PartnerControls">
-          <TermName xmlns="http://schemas.microsoft.com/office/infopath/2007/PartnerControls">Microsoft Ignite</TermName>
-          <TermId xmlns="http://schemas.microsoft.com/office/infopath/2007/PartnerControls">9323c522-fe4b-4922-816b-10a1920d7afb</TermId>
-        </TermInfo>
-      </Terms>
-    </mb2e01f7e2d8413988e28e59aa226eec>
-    <MS_x0020_Content_x0020_Owner xmlns="01c77077-aee4-4b5f-bd4e-9cd40a6fff29">
-      <UserInfo>
-        <DisplayName/>
-        <AccountId xsi:nil="true"/>
-        <AccountType/>
-      </UserInfo>
-    </MS_x0020_Content_x0020_Owner>
-    <Session_x0020_Code xmlns="01c77077-aee4-4b5f-bd4e-9cd40a6fff29">BRK2158</Session_x0020_Code>
-    <Event_x0020_End_x0020_Date xmlns="01c77077-aee4-4b5f-bd4e-9cd40a6fff29">2016-09-30T07:00:00+00:00</Event_x0020_End_x0020_Date>
-    <o1010385baed4da9b5076a6aa651d1e5 xmlns="01c77077-aee4-4b5f-bd4e-9cd40a6fff29">
-      <Terms xmlns="http://schemas.microsoft.com/office/infopath/2007/PartnerControls"/>
-    </o1010385baed4da9b5076a6aa651d1e5>
-    <kc6d1bd9a46e4e5fbbbf99ca3de7a092 xmlns="01c77077-aee4-4b5f-bd4e-9cd40a6fff29">
-      <Terms xmlns="http://schemas.microsoft.com/office/infopath/2007/PartnerControls"/>
-    </kc6d1bd9a46e4e5fbbbf99ca3de7a092>
-    <MS_x0020_Speaker xmlns="01c77077-aee4-4b5f-bd4e-9cd40a6fff29">
-      <UserInfo>
-        <DisplayName/>
-        <AccountId xsi:nil="true"/>
-        <AccountType/>
-      </UserInfo>
-    </MS_x0020_Speaker>
-    <TaxKeywordTaxHTField xmlns="230e9df3-be65-4c73-a93b-d1236ebd677e">
-      <Terms xmlns="http://schemas.microsoft.com/office/infopath/2007/PartnerControls">
-        <TermInfo xmlns="http://schemas.microsoft.com/office/infopath/2007/PartnerControls">
-          <TermName xmlns="http://schemas.microsoft.com/office/infopath/2007/PartnerControls">Microsoft Ignite 2016</TermName>
-          <TermId xmlns="http://schemas.microsoft.com/office/infopath/2007/PartnerControls">e2f6a88c-86f9-4b25-a2af-b5c3afa8c82a</TermId>
-        </TermInfo>
-      </Terms>
-    </TaxKeywordTaxHTField>
-    <TaxCatchAll xmlns="230e9df3-be65-4c73-a93b-d1236ebd677e">
-      <Value>174</Value>
-      <Value>177</Value>
-      <Value>176</Value>
-      <Value>175</Value>
-    </TaxCatchAll>
-    <NumberofDownloads xmlns="230e9df3-be65-4c73-a93b-d1236ebd677e" xsi:nil="true"/>
-  </documentManagement>
-</p:properties>
-</file>
-
 <file path=customXml/item3.xml><?xml version="1.0" encoding="utf-8"?>
 <?mso-contentType ?>
 <FormTemplates xmlns="http://schemas.microsoft.com/sharepoint/v3/contenttype/forms">
@@ -38186,6 +38219,25 @@
 </file>
 
 <file path=customXml/itemProps1.xml><?xml version="1.0" encoding="utf-8"?>
+<ds:datastoreItem xmlns:ds="http://schemas.openxmlformats.org/officeDocument/2006/customXml" ds:itemID="{F990F116-B58F-4255-B05B-DA3808E0E5C6}">
+  <ds:schemaRefs>
+    <ds:schemaRef ds:uri="http://purl.org/dc/elements/1.1/"/>
+    <ds:schemaRef ds:uri="http://purl.org/dc/dcmitype/"/>
+    <ds:schemaRef ds:uri="230e9df3-be65-4c73-a93b-d1236ebd677e"/>
+    <ds:schemaRef ds:uri="http://schemas.microsoft.com/office/infopath/2007/PartnerControls"/>
+    <ds:schemaRef ds:uri="http://schemas.microsoft.com/office/2006/metadata/properties"/>
+    <ds:schemaRef ds:uri="01c77077-aee4-4b5f-bd4e-9cd40a6fff29"/>
+    <ds:schemaRef ds:uri="http://schemas.microsoft.com/sharepoint/v3"/>
+    <ds:schemaRef ds:uri="8ff673fc-3231-4e3a-893b-6d7f7cd32766"/>
+    <ds:schemaRef ds:uri="http://schemas.microsoft.com/office/2006/documentManagement/types"/>
+    <ds:schemaRef ds:uri="http://purl.org/dc/terms/"/>
+    <ds:schemaRef ds:uri="http://schemas.openxmlformats.org/package/2006/metadata/core-properties"/>
+    <ds:schemaRef ds:uri="http://www.w3.org/XML/1998/namespace"/>
+  </ds:schemaRefs>
+</ds:datastoreItem>
+</file>
+
+<file path=customXml/itemProps2.xml><?xml version="1.0" encoding="utf-8"?>
 <ds:datastoreItem xmlns:ds="http://schemas.openxmlformats.org/officeDocument/2006/customXml" ds:itemID="{6D8F288A-5131-4E80-AB86-F10FC037383B}">
   <ds:schemaRefs>
     <ds:schemaRef ds:uri="http://schemas.microsoft.com/office/2006/metadata/contentType"/>
@@ -38206,25 +38258,6 @@
 </ds:datastoreItem>
 </file>
 
-<file path=customXml/itemProps2.xml><?xml version="1.0" encoding="utf-8"?>
-<ds:datastoreItem xmlns:ds="http://schemas.openxmlformats.org/officeDocument/2006/customXml" ds:itemID="{F990F116-B58F-4255-B05B-DA3808E0E5C6}">
-  <ds:schemaRefs>
-    <ds:schemaRef ds:uri="http://purl.org/dc/elements/1.1/"/>
-    <ds:schemaRef ds:uri="http://purl.org/dc/dcmitype/"/>
-    <ds:schemaRef ds:uri="230e9df3-be65-4c73-a93b-d1236ebd677e"/>
-    <ds:schemaRef ds:uri="http://schemas.microsoft.com/office/infopath/2007/PartnerControls"/>
-    <ds:schemaRef ds:uri="http://schemas.microsoft.com/office/2006/metadata/properties"/>
-    <ds:schemaRef ds:uri="01c77077-aee4-4b5f-bd4e-9cd40a6fff29"/>
-    <ds:schemaRef ds:uri="http://schemas.microsoft.com/sharepoint/v3"/>
-    <ds:schemaRef ds:uri="8ff673fc-3231-4e3a-893b-6d7f7cd32766"/>
-    <ds:schemaRef ds:uri="http://schemas.microsoft.com/office/2006/documentManagement/types"/>
-    <ds:schemaRef ds:uri="http://purl.org/dc/terms/"/>
-    <ds:schemaRef ds:uri="http://schemas.openxmlformats.org/package/2006/metadata/core-properties"/>
-    <ds:schemaRef ds:uri="http://www.w3.org/XML/1998/namespace"/>
-  </ds:schemaRefs>
-</ds:datastoreItem>
-</file>
-
 <file path=customXml/itemProps3.xml><?xml version="1.0" encoding="utf-8"?>
 <ds:datastoreItem xmlns:ds="http://schemas.openxmlformats.org/officeDocument/2006/customXml" ds:itemID="{758FDAC0-319D-4A54-8D8E-1D42CB1F8004}">
   <ds:schemaRefs>
